--- a/画图.pptx
+++ b/画图.pptx
@@ -104,6 +104,11 @@
       </a:defRPr>
     </a:lvl9pPr>
   </p:defaultTextStyle>
+  <p:extLst>
+    <p:ext uri="{EFAFB233-063F-42B5-8137-9DF3F51BA10A}">
+      <p15:sldGuideLst xmlns:p15="http://schemas.microsoft.com/office/powerpoint/2012/main"/>
+    </p:ext>
+  </p:extLst>
 </p:presentation>
 </file>
 
@@ -270,7 +275,7 @@
           <a:p>
             <a:fld id="{48A87A34-81AB-432B-8DAE-1953F412C126}" type="datetimeFigureOut">
               <a:rPr lang="en-US" smtClean="0"/>
-              <a:t>10/21/2021</a:t>
+              <a:t>12/1/2021</a:t>
             </a:fld>
             <a:endParaRPr lang="en-US" dirty="0"/>
           </a:p>
@@ -440,7 +445,7 @@
           <a:p>
             <a:fld id="{48A87A34-81AB-432B-8DAE-1953F412C126}" type="datetimeFigureOut">
               <a:rPr lang="en-US" smtClean="0"/>
-              <a:t>10/21/2021</a:t>
+              <a:t>12/1/2021</a:t>
             </a:fld>
             <a:endParaRPr lang="en-US" dirty="0"/>
           </a:p>
@@ -620,7 +625,7 @@
           <a:p>
             <a:fld id="{48A87A34-81AB-432B-8DAE-1953F412C126}" type="datetimeFigureOut">
               <a:rPr lang="en-US" smtClean="0"/>
-              <a:t>10/21/2021</a:t>
+              <a:t>12/1/2021</a:t>
             </a:fld>
             <a:endParaRPr lang="en-US" dirty="0"/>
           </a:p>
@@ -790,7 +795,7 @@
           <a:p>
             <a:fld id="{48A87A34-81AB-432B-8DAE-1953F412C126}" type="datetimeFigureOut">
               <a:rPr lang="en-US" smtClean="0"/>
-              <a:t>10/21/2021</a:t>
+              <a:t>12/1/2021</a:t>
             </a:fld>
             <a:endParaRPr lang="en-US" dirty="0"/>
           </a:p>
@@ -1058,7 +1063,7 @@
           <a:p>
             <a:fld id="{48A87A34-81AB-432B-8DAE-1953F412C126}" type="datetimeFigureOut">
               <a:rPr lang="en-US" smtClean="0"/>
-              <a:t>10/21/2021</a:t>
+              <a:t>12/1/2021</a:t>
             </a:fld>
             <a:endParaRPr lang="en-US" dirty="0"/>
           </a:p>
@@ -1290,7 +1295,7 @@
           <a:p>
             <a:fld id="{48A87A34-81AB-432B-8DAE-1953F412C126}" type="datetimeFigureOut">
               <a:rPr lang="en-US" smtClean="0"/>
-              <a:t>10/21/2021</a:t>
+              <a:t>12/1/2021</a:t>
             </a:fld>
             <a:endParaRPr lang="en-US" dirty="0"/>
           </a:p>
@@ -1650,7 +1655,7 @@
             <a:fld id="{48A87A34-81AB-432B-8DAE-1953F412C126}" type="datetimeFigureOut">
               <a:rPr lang="en-US" smtClean="0"/>
               <a:pPr/>
-              <a:t>10/21/2021</a:t>
+              <a:t>12/1/2021</a:t>
             </a:fld>
             <a:endParaRPr lang="en-US" dirty="0"/>
           </a:p>
@@ -1792,7 +1797,7 @@
           <a:p>
             <a:fld id="{48A87A34-81AB-432B-8DAE-1953F412C126}" type="datetimeFigureOut">
               <a:rPr lang="en-US" smtClean="0"/>
-              <a:t>10/21/2021</a:t>
+              <a:t>12/1/2021</a:t>
             </a:fld>
             <a:endParaRPr lang="en-US" dirty="0"/>
           </a:p>
@@ -1887,7 +1892,7 @@
           <a:p>
             <a:fld id="{48A87A34-81AB-432B-8DAE-1953F412C126}" type="datetimeFigureOut">
               <a:rPr lang="en-US" smtClean="0"/>
-              <a:t>10/21/2021</a:t>
+              <a:t>12/1/2021</a:t>
             </a:fld>
             <a:endParaRPr lang="en-US" dirty="0"/>
           </a:p>
@@ -2244,7 +2249,7 @@
           <a:p>
             <a:fld id="{48A87A34-81AB-432B-8DAE-1953F412C126}" type="datetimeFigureOut">
               <a:rPr lang="en-US" smtClean="0"/>
-              <a:t>10/21/2021</a:t>
+              <a:t>12/1/2021</a:t>
             </a:fld>
             <a:endParaRPr lang="en-US" dirty="0"/>
           </a:p>
@@ -2601,7 +2606,7 @@
           <a:p>
             <a:fld id="{48A87A34-81AB-432B-8DAE-1953F412C126}" type="datetimeFigureOut">
               <a:rPr lang="en-US" smtClean="0"/>
-              <a:t>10/21/2021</a:t>
+              <a:t>12/1/2021</a:t>
             </a:fld>
             <a:endParaRPr lang="en-US" dirty="0"/>
           </a:p>
@@ -2843,7 +2848,7 @@
             <a:fld id="{48A87A34-81AB-432B-8DAE-1953F412C126}" type="datetimeFigureOut">
               <a:rPr lang="en-US" smtClean="0"/>
               <a:pPr/>
-              <a:t>10/21/2021</a:t>
+              <a:t>12/1/2021</a:t>
             </a:fld>
             <a:endParaRPr lang="en-US" dirty="0"/>
           </a:p>
